--- a/96水禮.pptx
+++ b/96水禮.pptx
@@ -10,8 +10,9 @@
     <p:sldId id="262" r:id="rId4"/>
     <p:sldId id="258" r:id="rId5"/>
     <p:sldId id="259" r:id="rId6"/>
-    <p:sldId id="260" r:id="rId7"/>
-    <p:sldId id="261" r:id="rId8"/>
+    <p:sldId id="263" r:id="rId7"/>
+    <p:sldId id="260" r:id="rId8"/>
+    <p:sldId id="261" r:id="rId9"/>
   </p:sldIdLst>
   <p:sldSz cx="9144000" cy="5143500" type="screen16x9"/>
   <p:notesSz cx="6858000" cy="9144000"/>
@@ -110,6 +111,22 @@
       </a:defRPr>
     </a:lvl9pPr>
   </p:defaultTextStyle>
+  <p:extLst>
+    <p:ext uri="{EFAFB233-063F-42B5-8137-9DF3F51BA10A}">
+      <p15:sldGuideLst xmlns:p15="http://schemas.microsoft.com/office/powerpoint/2012/main">
+        <p15:guide id="1" orient="horz" pos="1620">
+          <p15:clr>
+            <a:srgbClr val="A4A3A4"/>
+          </p15:clr>
+        </p15:guide>
+        <p15:guide id="2" pos="2880">
+          <p15:clr>
+            <a:srgbClr val="A4A3A4"/>
+          </p15:clr>
+        </p15:guide>
+      </p15:sldGuideLst>
+    </p:ext>
+  </p:extLst>
 </p:presentation>
 </file>
 
@@ -295,7 +312,7 @@
             <a:fld id="{86B5546F-C09B-4E63-ABC5-F7C86A7E8D66}" type="datetimeFigureOut">
               <a:rPr lang="en-US" smtClean="0"/>
               <a:pPr/>
-              <a:t>9/13/2019</a:t>
+              <a:t>6/13/2020</a:t>
             </a:fld>
             <a:endParaRPr lang="en-US"/>
           </a:p>
@@ -462,7 +479,7 @@
             <a:fld id="{86B5546F-C09B-4E63-ABC5-F7C86A7E8D66}" type="datetimeFigureOut">
               <a:rPr lang="en-US" smtClean="0"/>
               <a:pPr/>
-              <a:t>9/13/2019</a:t>
+              <a:t>6/13/2020</a:t>
             </a:fld>
             <a:endParaRPr lang="en-US"/>
           </a:p>
@@ -639,7 +656,7 @@
             <a:fld id="{86B5546F-C09B-4E63-ABC5-F7C86A7E8D66}" type="datetimeFigureOut">
               <a:rPr lang="en-US" smtClean="0"/>
               <a:pPr/>
-              <a:t>9/13/2019</a:t>
+              <a:t>6/13/2020</a:t>
             </a:fld>
             <a:endParaRPr lang="en-US"/>
           </a:p>
@@ -806,7 +823,7 @@
             <a:fld id="{86B5546F-C09B-4E63-ABC5-F7C86A7E8D66}" type="datetimeFigureOut">
               <a:rPr lang="en-US" smtClean="0"/>
               <a:pPr/>
-              <a:t>9/13/2019</a:t>
+              <a:t>6/13/2020</a:t>
             </a:fld>
             <a:endParaRPr lang="en-US"/>
           </a:p>
@@ -1049,7 +1066,7 @@
             <a:fld id="{86B5546F-C09B-4E63-ABC5-F7C86A7E8D66}" type="datetimeFigureOut">
               <a:rPr lang="en-US" smtClean="0"/>
               <a:pPr/>
-              <a:t>9/13/2019</a:t>
+              <a:t>6/13/2020</a:t>
             </a:fld>
             <a:endParaRPr lang="en-US"/>
           </a:p>
@@ -1334,7 +1351,7 @@
             <a:fld id="{86B5546F-C09B-4E63-ABC5-F7C86A7E8D66}" type="datetimeFigureOut">
               <a:rPr lang="en-US" smtClean="0"/>
               <a:pPr/>
-              <a:t>9/13/2019</a:t>
+              <a:t>6/13/2020</a:t>
             </a:fld>
             <a:endParaRPr lang="en-US"/>
           </a:p>
@@ -1753,7 +1770,7 @@
             <a:fld id="{86B5546F-C09B-4E63-ABC5-F7C86A7E8D66}" type="datetimeFigureOut">
               <a:rPr lang="en-US" smtClean="0"/>
               <a:pPr/>
-              <a:t>9/13/2019</a:t>
+              <a:t>6/13/2020</a:t>
             </a:fld>
             <a:endParaRPr lang="en-US"/>
           </a:p>
@@ -1868,7 +1885,7 @@
             <a:fld id="{86B5546F-C09B-4E63-ABC5-F7C86A7E8D66}" type="datetimeFigureOut">
               <a:rPr lang="en-US" smtClean="0"/>
               <a:pPr/>
-              <a:t>9/13/2019</a:t>
+              <a:t>6/13/2020</a:t>
             </a:fld>
             <a:endParaRPr lang="en-US"/>
           </a:p>
@@ -1960,7 +1977,7 @@
             <a:fld id="{86B5546F-C09B-4E63-ABC5-F7C86A7E8D66}" type="datetimeFigureOut">
               <a:rPr lang="en-US" smtClean="0"/>
               <a:pPr/>
-              <a:t>9/13/2019</a:t>
+              <a:t>6/13/2020</a:t>
             </a:fld>
             <a:endParaRPr lang="en-US"/>
           </a:p>
@@ -2234,7 +2251,7 @@
             <a:fld id="{86B5546F-C09B-4E63-ABC5-F7C86A7E8D66}" type="datetimeFigureOut">
               <a:rPr lang="en-US" smtClean="0"/>
               <a:pPr/>
-              <a:t>9/13/2019</a:t>
+              <a:t>6/13/2020</a:t>
             </a:fld>
             <a:endParaRPr lang="en-US"/>
           </a:p>
@@ -2488,7 +2505,7 @@
             <a:fld id="{86B5546F-C09B-4E63-ABC5-F7C86A7E8D66}" type="datetimeFigureOut">
               <a:rPr lang="en-US" smtClean="0"/>
               <a:pPr/>
-              <a:t>9/13/2019</a:t>
+              <a:t>6/13/2020</a:t>
             </a:fld>
             <a:endParaRPr lang="en-US"/>
           </a:p>
@@ -2703,7 +2720,7 @@
             <a:fld id="{86B5546F-C09B-4E63-ABC5-F7C86A7E8D66}" type="datetimeFigureOut">
               <a:rPr lang="en-US" smtClean="0"/>
               <a:pPr/>
-              <a:t>9/13/2019</a:t>
+              <a:t>6/13/2020</a:t>
             </a:fld>
             <a:endParaRPr lang="en-US"/>
           </a:p>
@@ -3087,18 +3104,38 @@
         <p:spPr/>
         <p:txBody>
           <a:bodyPr>
-            <a:normAutofit fontScale="90000"/>
+            <a:noAutofit/>
           </a:bodyPr>
           <a:lstStyle/>
           <a:p>
             <a:r>
-              <a:rPr lang="zh-CN" altLang="en-US" sz="8000" b="1" dirty="0" smtClean="0">
+              <a:rPr lang="zh-CN" altLang="en-US" sz="7200" b="1" dirty="0">
+                <a:solidFill>
+                  <a:srgbClr val="660033"/>
+                </a:solidFill>
+                <a:effectLst>
+                  <a:outerShdw blurRad="38100" dist="38100" dir="2700000" algn="tl">
+                    <a:srgbClr val="000000">
+                      <a:alpha val="43137"/>
+                    </a:srgbClr>
+                  </a:outerShdw>
+                </a:effectLst>
                 <a:latin typeface="微軟正黑體" pitchFamily="34" charset="-120"/>
                 <a:ea typeface="微軟正黑體" pitchFamily="34" charset="-120"/>
               </a:rPr>
               <a:t>水禮</a:t>
             </a:r>
-            <a:endParaRPr lang="en-US" sz="8000" b="1" dirty="0">
+            <a:endParaRPr lang="en-US" sz="7200" b="1" dirty="0">
+              <a:solidFill>
+                <a:srgbClr val="660033"/>
+              </a:solidFill>
+              <a:effectLst>
+                <a:outerShdw blurRad="38100" dist="38100" dir="2700000" algn="tl">
+                  <a:srgbClr val="000000">
+                    <a:alpha val="43137"/>
+                  </a:srgbClr>
+                </a:outerShdw>
+              </a:effectLst>
               <a:latin typeface="微軟正黑體" pitchFamily="34" charset="-120"/>
               <a:ea typeface="微軟正黑體" pitchFamily="34" charset="-120"/>
             </a:endParaRPr>
@@ -3128,9 +3165,9 @@
           <a:lstStyle/>
           <a:p>
             <a:r>
-              <a:rPr lang="zh-CN" altLang="en-US" b="1" dirty="0" smtClean="0">
-                <a:solidFill>
-                  <a:srgbClr val="C00000"/>
+              <a:rPr lang="zh-CN" altLang="en-US" b="1" dirty="0">
+                <a:solidFill>
+                  <a:srgbClr val="002060"/>
                 </a:solidFill>
                 <a:latin typeface="微軟正黑體" pitchFamily="34" charset="-120"/>
                 <a:ea typeface="微軟正黑體" pitchFamily="34" charset="-120"/>
@@ -3138,9 +3175,9 @@
               <a:t>太</a:t>
             </a:r>
             <a:r>
-              <a:rPr lang="en-US" altLang="zh-CN" b="1" dirty="0" smtClean="0">
-                <a:solidFill>
-                  <a:srgbClr val="C00000"/>
+              <a:rPr lang="en-US" altLang="zh-CN" b="1" dirty="0">
+                <a:solidFill>
+                  <a:srgbClr val="002060"/>
                 </a:solidFill>
                 <a:latin typeface="微軟正黑體" pitchFamily="34" charset="-120"/>
                 <a:ea typeface="微軟正黑體" pitchFamily="34" charset="-120"/>
@@ -3148,9 +3185,9 @@
               <a:t>3</a:t>
             </a:r>
             <a:r>
-              <a:rPr lang="zh-CN" altLang="en-US" b="1" dirty="0" smtClean="0">
-                <a:solidFill>
-                  <a:srgbClr val="C00000"/>
+              <a:rPr lang="zh-CN" altLang="en-US" b="1" dirty="0">
+                <a:solidFill>
+                  <a:srgbClr val="002060"/>
                 </a:solidFill>
                 <a:latin typeface="微軟正黑體" pitchFamily="34" charset="-120"/>
                 <a:ea typeface="微軟正黑體" pitchFamily="34" charset="-120"/>
@@ -3158,9 +3195,9 @@
               <a:t>：</a:t>
             </a:r>
             <a:r>
-              <a:rPr lang="en-US" altLang="zh-CN" b="1" dirty="0" smtClean="0">
-                <a:solidFill>
-                  <a:srgbClr val="C00000"/>
+              <a:rPr lang="en-US" altLang="zh-CN" b="1" dirty="0">
+                <a:solidFill>
+                  <a:srgbClr val="002060"/>
                 </a:solidFill>
                 <a:latin typeface="微軟正黑體" pitchFamily="34" charset="-120"/>
                 <a:ea typeface="微軟正黑體" pitchFamily="34" charset="-120"/>
@@ -3168,9 +3205,9 @@
               <a:t>13-17</a:t>
             </a:r>
             <a:r>
-              <a:rPr lang="zh-CN" altLang="en-US" b="1" dirty="0" smtClean="0">
-                <a:solidFill>
-                  <a:srgbClr val="C00000"/>
+              <a:rPr lang="zh-CN" altLang="en-US" b="1" dirty="0">
+                <a:solidFill>
+                  <a:srgbClr val="002060"/>
                 </a:solidFill>
                 <a:latin typeface="微軟正黑體" pitchFamily="34" charset="-120"/>
                 <a:ea typeface="微軟正黑體" pitchFamily="34" charset="-120"/>
@@ -3178,9 +3215,9 @@
               <a:t>；羅</a:t>
             </a:r>
             <a:r>
-              <a:rPr lang="en-US" altLang="zh-CN" b="1" dirty="0" smtClean="0">
-                <a:solidFill>
-                  <a:srgbClr val="C00000"/>
+              <a:rPr lang="en-US" altLang="zh-CN" b="1" dirty="0">
+                <a:solidFill>
+                  <a:srgbClr val="002060"/>
                 </a:solidFill>
                 <a:latin typeface="微軟正黑體" pitchFamily="34" charset="-120"/>
                 <a:ea typeface="微軟正黑體" pitchFamily="34" charset="-120"/>
@@ -3188,9 +3225,9 @@
               <a:t>6</a:t>
             </a:r>
             <a:r>
-              <a:rPr lang="zh-CN" altLang="en-US" b="1" dirty="0" smtClean="0">
-                <a:solidFill>
-                  <a:srgbClr val="C00000"/>
+              <a:rPr lang="zh-CN" altLang="en-US" b="1" dirty="0">
+                <a:solidFill>
+                  <a:srgbClr val="002060"/>
                 </a:solidFill>
                 <a:latin typeface="微軟正黑體" pitchFamily="34" charset="-120"/>
                 <a:ea typeface="微軟正黑體" pitchFamily="34" charset="-120"/>
@@ -3198,9 +3235,9 @@
               <a:t>：</a:t>
             </a:r>
             <a:r>
-              <a:rPr lang="en-US" altLang="zh-CN" b="1" dirty="0" smtClean="0">
-                <a:solidFill>
-                  <a:srgbClr val="C00000"/>
+              <a:rPr lang="en-US" altLang="zh-CN" b="1" dirty="0">
+                <a:solidFill>
+                  <a:srgbClr val="002060"/>
                 </a:solidFill>
                 <a:latin typeface="微軟正黑體" pitchFamily="34" charset="-120"/>
                 <a:ea typeface="微軟正黑體" pitchFamily="34" charset="-120"/>
@@ -3208,9 +3245,9 @@
               <a:t>4-6</a:t>
             </a:r>
             <a:r>
-              <a:rPr lang="zh-CN" altLang="en-US" b="1" dirty="0" smtClean="0">
-                <a:solidFill>
-                  <a:srgbClr val="C00000"/>
+              <a:rPr lang="zh-CN" altLang="en-US" b="1" dirty="0">
+                <a:solidFill>
+                  <a:srgbClr val="002060"/>
                 </a:solidFill>
                 <a:latin typeface="微軟正黑體" pitchFamily="34" charset="-120"/>
                 <a:ea typeface="微軟正黑體" pitchFamily="34" charset="-120"/>
@@ -3220,27 +3257,29 @@
             <a:r>
               <a:rPr lang="en-US" altLang="zh-CN" b="1" dirty="0" smtClean="0">
                 <a:solidFill>
-                  <a:srgbClr val="C00000"/>
+                  <a:srgbClr val="002060"/>
                 </a:solidFill>
                 <a:latin typeface="微軟正黑體" pitchFamily="34" charset="-120"/>
                 <a:ea typeface="微軟正黑體" pitchFamily="34" charset="-120"/>
               </a:rPr>
               <a:t>11</a:t>
             </a:r>
+          </a:p>
+          <a:p>
             <a:r>
               <a:rPr lang="zh-CN" altLang="en-US" b="1" dirty="0" smtClean="0">
                 <a:solidFill>
-                  <a:srgbClr val="C00000"/>
+                  <a:srgbClr val="002060"/>
                 </a:solidFill>
                 <a:latin typeface="微軟正黑體" pitchFamily="34" charset="-120"/>
                 <a:ea typeface="微軟正黑體" pitchFamily="34" charset="-120"/>
               </a:rPr>
-              <a:t>；太</a:t>
-            </a:r>
-            <a:r>
-              <a:rPr lang="en-US" altLang="zh-CN" b="1" dirty="0" smtClean="0">
-                <a:solidFill>
-                  <a:srgbClr val="C00000"/>
+              <a:t>太</a:t>
+            </a:r>
+            <a:r>
+              <a:rPr lang="en-US" altLang="zh-CN" b="1" dirty="0">
+                <a:solidFill>
+                  <a:srgbClr val="002060"/>
                 </a:solidFill>
                 <a:latin typeface="微軟正黑體" pitchFamily="34" charset="-120"/>
                 <a:ea typeface="微軟正黑體" pitchFamily="34" charset="-120"/>
@@ -3248,9 +3287,9 @@
               <a:t>28</a:t>
             </a:r>
             <a:r>
-              <a:rPr lang="zh-CN" altLang="en-US" b="1" dirty="0" smtClean="0">
-                <a:solidFill>
-                  <a:srgbClr val="C00000"/>
+              <a:rPr lang="zh-CN" altLang="en-US" b="1" dirty="0">
+                <a:solidFill>
+                  <a:srgbClr val="002060"/>
                 </a:solidFill>
                 <a:latin typeface="微軟正黑體" pitchFamily="34" charset="-120"/>
                 <a:ea typeface="微軟正黑體" pitchFamily="34" charset="-120"/>
@@ -3258,9 +3297,9 @@
               <a:t>：</a:t>
             </a:r>
             <a:r>
-              <a:rPr lang="en-US" altLang="zh-CN" b="1" dirty="0" smtClean="0">
-                <a:solidFill>
-                  <a:srgbClr val="C00000"/>
+              <a:rPr lang="en-US" altLang="zh-CN" b="1" dirty="0">
+                <a:solidFill>
+                  <a:srgbClr val="002060"/>
                 </a:solidFill>
                 <a:latin typeface="微軟正黑體" pitchFamily="34" charset="-120"/>
                 <a:ea typeface="微軟正黑體" pitchFamily="34" charset="-120"/>
@@ -3269,7 +3308,7 @@
             </a:r>
             <a:endParaRPr lang="en-US" b="1" dirty="0">
               <a:solidFill>
-                <a:srgbClr val="C00000"/>
+                <a:srgbClr val="002060"/>
               </a:solidFill>
               <a:latin typeface="微軟正黑體" pitchFamily="34" charset="-120"/>
               <a:ea typeface="微軟正黑體" pitchFamily="34" charset="-120"/>
@@ -3319,26 +3358,25 @@
           </a:xfrm>
         </p:spPr>
         <p:txBody>
-          <a:bodyPr>
+          <a:bodyPr anchor="ctr">
             <a:noAutofit/>
           </a:bodyPr>
           <a:lstStyle/>
           <a:p>
             <a:r>
-              <a:rPr lang="zh-TW" altLang="en-US" sz="4800" dirty="0" smtClean="0">
+              <a:rPr lang="zh-TW" altLang="en-US" sz="4800" dirty="0">
+                <a:solidFill>
+                  <a:srgbClr val="002060"/>
+                </a:solidFill>
                 <a:latin typeface="微軟正黑體" pitchFamily="34" charset="-120"/>
                 <a:ea typeface="微軟正黑體" pitchFamily="34" charset="-120"/>
               </a:rPr>
-              <a:t>耶穌從加利利來到約但河，見了約翰，要受他的洗。約翰想要攔住他，說：「我當受你的洗，你反倒上我這裡來嗎</a:t>
-            </a:r>
-            <a:r>
-              <a:rPr lang="zh-TW" altLang="en-US" sz="4800" dirty="0" smtClean="0">
-                <a:latin typeface="微軟正黑體" pitchFamily="34" charset="-120"/>
-                <a:ea typeface="微軟正黑體" pitchFamily="34" charset="-120"/>
-              </a:rPr>
-              <a:t>？」</a:t>
-            </a:r>
-            <a:endParaRPr lang="en-US" altLang="zh-TW" sz="4800" dirty="0" smtClean="0">
+              <a:t>耶穌從加利利來到約但河，見了約翰，要受他的洗。約翰想要攔住他，說：「我當受你的洗，你反倒上我這裡來嗎？」</a:t>
+            </a:r>
+            <a:endParaRPr lang="en-US" altLang="zh-TW" sz="4800" dirty="0">
+              <a:solidFill>
+                <a:srgbClr val="002060"/>
+              </a:solidFill>
               <a:latin typeface="微軟正黑體" pitchFamily="34" charset="-120"/>
               <a:ea typeface="微軟正黑體" pitchFamily="34" charset="-120"/>
             </a:endParaRPr>
@@ -3387,26 +3425,25 @@
           </a:xfrm>
         </p:spPr>
         <p:txBody>
-          <a:bodyPr>
+          <a:bodyPr anchor="ctr">
             <a:noAutofit/>
           </a:bodyPr>
           <a:lstStyle/>
           <a:p>
             <a:r>
-              <a:rPr lang="zh-TW" altLang="en-US" sz="4800" b="1" dirty="0" smtClean="0">
+              <a:rPr lang="zh-TW" altLang="en-US" sz="4800" b="1" dirty="0">
+                <a:solidFill>
+                  <a:srgbClr val="002060"/>
+                </a:solidFill>
                 <a:latin typeface="微軟正黑體" pitchFamily="34" charset="-120"/>
                 <a:ea typeface="微軟正黑體" pitchFamily="34" charset="-120"/>
               </a:rPr>
-              <a:t>耶</a:t>
-            </a:r>
-            <a:r>
-              <a:rPr lang="zh-TW" altLang="en-US" sz="4800" b="1" dirty="0" smtClean="0">
-                <a:latin typeface="微軟正黑體" pitchFamily="34" charset="-120"/>
-                <a:ea typeface="微軟正黑體" pitchFamily="34" charset="-120"/>
-              </a:rPr>
-              <a:t>穌回答說：「你暫且許我，因為我們理當這樣盡諸般的義。」於是約翰許了他。</a:t>
-            </a:r>
-            <a:endParaRPr lang="en-US" altLang="zh-TW" sz="4800" b="1" dirty="0" smtClean="0">
+              <a:t>耶穌回答說：「你暫且許我，因為我們理當這樣盡諸般的義。」於是約翰許了他。</a:t>
+            </a:r>
+            <a:endParaRPr lang="en-US" altLang="zh-TW" sz="4800" b="1" dirty="0">
+              <a:solidFill>
+                <a:srgbClr val="002060"/>
+              </a:solidFill>
               <a:latin typeface="微軟正黑體" pitchFamily="34" charset="-120"/>
               <a:ea typeface="微軟正黑體" pitchFamily="34" charset="-120"/>
             </a:endParaRPr>
@@ -3460,20 +3497,26 @@
           </a:xfrm>
         </p:spPr>
         <p:txBody>
-          <a:bodyPr>
+          <a:bodyPr anchor="ctr">
             <a:normAutofit/>
           </a:bodyPr>
           <a:lstStyle/>
           <a:p>
             <a:r>
-              <a:rPr lang="zh-TW" altLang="en-US" sz="4800" dirty="0" smtClean="0">
+              <a:rPr lang="zh-TW" altLang="en-US" sz="4800" dirty="0">
+                <a:solidFill>
+                  <a:srgbClr val="002060"/>
+                </a:solidFill>
                 <a:latin typeface="微軟正黑體" pitchFamily="34" charset="-120"/>
                 <a:ea typeface="微軟正黑體" pitchFamily="34" charset="-120"/>
               </a:rPr>
               <a:t>耶穌受了洗，隨即從水裡上來。天忽然為他開了，他就看見神的靈彷彿鴿子降下，落在他身上。</a:t>
             </a:r>
             <a:r>
-              <a:rPr lang="en-US" altLang="zh-TW" sz="4800" dirty="0" smtClean="0">
+              <a:rPr lang="en-US" altLang="zh-TW" sz="4800" dirty="0">
+                <a:solidFill>
+                  <a:srgbClr val="002060"/>
+                </a:solidFill>
                 <a:latin typeface="微軟正黑體" pitchFamily="34" charset="-120"/>
                 <a:ea typeface="微軟正黑體" pitchFamily="34" charset="-120"/>
               </a:rPr>
@@ -3482,13 +3525,19 @@
           </a:p>
           <a:p>
             <a:r>
-              <a:rPr lang="zh-TW" altLang="en-US" sz="4800" b="1" dirty="0" smtClean="0">
+              <a:rPr lang="zh-TW" altLang="en-US" sz="4800" b="1" dirty="0">
+                <a:solidFill>
+                  <a:srgbClr val="002060"/>
+                </a:solidFill>
                 <a:latin typeface="微軟正黑體" pitchFamily="34" charset="-120"/>
                 <a:ea typeface="微軟正黑體" pitchFamily="34" charset="-120"/>
               </a:rPr>
               <a:t>從天上有聲音說：「這是我的愛子，我所喜悅的。」</a:t>
             </a:r>
-            <a:endParaRPr lang="en-US" altLang="zh-TW" sz="4800" b="1" dirty="0" smtClean="0">
+            <a:endParaRPr lang="en-US" altLang="zh-TW" sz="4800" b="1" dirty="0">
+              <a:solidFill>
+                <a:srgbClr val="002060"/>
+              </a:solidFill>
               <a:latin typeface="微軟正黑體" pitchFamily="34" charset="-120"/>
               <a:ea typeface="微軟正黑體" pitchFamily="34" charset="-120"/>
             </a:endParaRPr>
@@ -3537,38 +3586,31 @@
           </a:xfrm>
         </p:spPr>
         <p:txBody>
-          <a:bodyPr>
-            <a:normAutofit lnSpcReduction="10000"/>
+          <a:bodyPr anchor="ctr">
+            <a:normAutofit/>
           </a:bodyPr>
           <a:lstStyle/>
           <a:p>
             <a:r>
-              <a:rPr lang="zh-TW" altLang="en-US" sz="4800" dirty="0" smtClean="0">
+              <a:rPr lang="zh-TW" altLang="en-US" sz="4800" dirty="0">
+                <a:solidFill>
+                  <a:srgbClr val="002060"/>
+                </a:solidFill>
                 <a:latin typeface="微軟正黑體" pitchFamily="34" charset="-120"/>
                 <a:ea typeface="微軟正黑體" pitchFamily="34" charset="-120"/>
               </a:rPr>
               <a:t>我們藉著洗禮歸入死，和他一同埋葬，原是叫我們一舉一動有新生的樣式，像基督藉著父的榮耀從死裡復活一樣。</a:t>
             </a:r>
             <a:r>
-              <a:rPr lang="en-US" altLang="zh-TW" sz="4800" dirty="0" smtClean="0">
+              <a:rPr lang="en-US" altLang="zh-TW" sz="4800" dirty="0">
+                <a:solidFill>
+                  <a:srgbClr val="002060"/>
+                </a:solidFill>
                 <a:latin typeface="微軟正黑體" pitchFamily="34" charset="-120"/>
                 <a:ea typeface="微軟正黑體" pitchFamily="34" charset="-120"/>
               </a:rPr>
               <a:t> </a:t>
             </a:r>
-          </a:p>
-          <a:p>
-            <a:r>
-              <a:rPr lang="zh-TW" altLang="en-US" sz="4800" b="1" dirty="0" smtClean="0">
-                <a:latin typeface="微軟正黑體" pitchFamily="34" charset="-120"/>
-                <a:ea typeface="微軟正黑體" pitchFamily="34" charset="-120"/>
-              </a:rPr>
-              <a:t>我們若在他死的形狀上與他聯合，也要在他復活的形狀上與他聯合；</a:t>
-            </a:r>
-            <a:endParaRPr lang="en-US" altLang="zh-TW" sz="4800" b="1" dirty="0" smtClean="0">
-              <a:latin typeface="微軟正黑體" pitchFamily="34" charset="-120"/>
-              <a:ea typeface="微軟正黑體" pitchFamily="34" charset="-120"/>
-            </a:endParaRPr>
           </a:p>
         </p:txBody>
       </p:sp>
@@ -3610,43 +3652,41 @@
         <p:spPr>
           <a:xfrm>
             <a:off x="0" y="0"/>
-            <a:ext cx="8686800" cy="5143500"/>
+            <a:ext cx="8610600" cy="5143500"/>
           </a:xfrm>
         </p:spPr>
         <p:txBody>
-          <a:bodyPr>
+          <a:bodyPr anchor="ctr">
             <a:normAutofit/>
           </a:bodyPr>
           <a:lstStyle/>
           <a:p>
             <a:r>
-              <a:rPr lang="zh-TW" altLang="en-US" sz="4800" dirty="0" smtClean="0">
+              <a:rPr lang="zh-TW" altLang="en-US" sz="4800" b="1" dirty="0">
+                <a:solidFill>
+                  <a:srgbClr val="002060"/>
+                </a:solidFill>
                 <a:latin typeface="微軟正黑體" pitchFamily="34" charset="-120"/>
                 <a:ea typeface="微軟正黑體" pitchFamily="34" charset="-120"/>
               </a:rPr>
-              <a:t>因為知道我們的舊人和他同釘十字架，使罪身滅絕，叫我們不再作罪的奴僕；</a:t>
-            </a:r>
-            <a:endParaRPr lang="en-US" altLang="zh-TW" sz="4800" dirty="0" smtClean="0">
+              <a:t>我們若在他死的形狀上與他聯合，也要在他復活的形狀上與他聯合；</a:t>
+            </a:r>
+            <a:endParaRPr lang="en-US" altLang="zh-TW" sz="4800" b="1" dirty="0">
+              <a:solidFill>
+                <a:srgbClr val="002060"/>
+              </a:solidFill>
               <a:latin typeface="微軟正黑體" pitchFamily="34" charset="-120"/>
               <a:ea typeface="微軟正黑體" pitchFamily="34" charset="-120"/>
             </a:endParaRPr>
           </a:p>
-          <a:p>
-            <a:r>
-              <a:rPr lang="zh-TW" altLang="en-US" sz="4800" b="1" dirty="0" smtClean="0">
-                <a:latin typeface="微軟正黑體" pitchFamily="34" charset="-120"/>
-                <a:ea typeface="微軟正黑體" pitchFamily="34" charset="-120"/>
-              </a:rPr>
-              <a:t>這樣，你們向罪也當看自己是死的；向神在基督耶穌裡，卻當看自己是活的。</a:t>
-            </a:r>
-            <a:endParaRPr lang="en-US" altLang="zh-TW" sz="4800" b="1" dirty="0" smtClean="0">
-              <a:latin typeface="微軟正黑體" pitchFamily="34" charset="-120"/>
-              <a:ea typeface="微軟正黑體" pitchFamily="34" charset="-120"/>
-            </a:endParaRPr>
-          </a:p>
         </p:txBody>
       </p:sp>
     </p:spTree>
+    <p:extLst>
+      <p:ext uri="{BB962C8B-B14F-4D97-AF65-F5344CB8AC3E}">
+        <p14:creationId xmlns:p14="http://schemas.microsoft.com/office/powerpoint/2010/main" val="3671158471"/>
+      </p:ext>
+    </p:extLst>
   </p:cSld>
   <p:clrMapOvr>
     <a:masterClrMapping/>
@@ -3688,20 +3728,112 @@
           </a:xfrm>
         </p:spPr>
         <p:txBody>
-          <a:bodyPr>
+          <a:bodyPr anchor="ctr">
             <a:normAutofit/>
           </a:bodyPr>
           <a:lstStyle/>
           <a:p>
             <a:r>
-              <a:rPr lang="zh-TW" altLang="en-US" sz="4800" dirty="0" smtClean="0">
+              <a:rPr lang="zh-TW" altLang="en-US" sz="4800" dirty="0">
+                <a:solidFill>
+                  <a:srgbClr val="002060"/>
+                </a:solidFill>
+                <a:latin typeface="微軟正黑體" pitchFamily="34" charset="-120"/>
+                <a:ea typeface="微軟正黑體" pitchFamily="34" charset="-120"/>
+              </a:rPr>
+              <a:t>因為知道我們的舊人和他同釘十字架，使罪身滅絕，叫我們不再作罪的奴僕；</a:t>
+            </a:r>
+            <a:endParaRPr lang="en-US" altLang="zh-TW" sz="4800" dirty="0">
+              <a:solidFill>
+                <a:srgbClr val="002060"/>
+              </a:solidFill>
+              <a:latin typeface="微軟正黑體" pitchFamily="34" charset="-120"/>
+              <a:ea typeface="微軟正黑體" pitchFamily="34" charset="-120"/>
+            </a:endParaRPr>
+          </a:p>
+          <a:p>
+            <a:r>
+              <a:rPr lang="zh-TW" altLang="en-US" sz="4800" b="1" dirty="0">
+                <a:solidFill>
+                  <a:srgbClr val="002060"/>
+                </a:solidFill>
+                <a:latin typeface="微軟正黑體" pitchFamily="34" charset="-120"/>
+                <a:ea typeface="微軟正黑體" pitchFamily="34" charset="-120"/>
+              </a:rPr>
+              <a:t>這樣，你們向罪也當看自己是死的；向神在基督耶穌裡，卻當看自己是活的。</a:t>
+            </a:r>
+            <a:endParaRPr lang="en-US" altLang="zh-TW" sz="4800" b="1" dirty="0">
+              <a:solidFill>
+                <a:srgbClr val="002060"/>
+              </a:solidFill>
+              <a:latin typeface="微軟正黑體" pitchFamily="34" charset="-120"/>
+              <a:ea typeface="微軟正黑體" pitchFamily="34" charset="-120"/>
+            </a:endParaRPr>
+          </a:p>
+        </p:txBody>
+      </p:sp>
+    </p:spTree>
+  </p:cSld>
+  <p:clrMapOvr>
+    <a:masterClrMapping/>
+  </p:clrMapOvr>
+</p:sld>
+</file>
+
+<file path=ppt/slides/slide8.xml><?xml version="1.0" encoding="utf-8"?>
+<p:sld xmlns:a="http://schemas.openxmlformats.org/drawingml/2006/main" xmlns:r="http://schemas.openxmlformats.org/officeDocument/2006/relationships" xmlns:p="http://schemas.openxmlformats.org/presentationml/2006/main">
+  <p:cSld>
+    <p:spTree>
+      <p:nvGrpSpPr>
+        <p:cNvPr id="1" name=""/>
+        <p:cNvGrpSpPr/>
+        <p:nvPr/>
+      </p:nvGrpSpPr>
+      <p:grpSpPr>
+        <a:xfrm>
+          <a:off x="0" y="0"/>
+          <a:ext cx="0" cy="0"/>
+          <a:chOff x="0" y="0"/>
+          <a:chExt cx="0" cy="0"/>
+        </a:xfrm>
+      </p:grpSpPr>
+      <p:sp>
+        <p:nvSpPr>
+          <p:cNvPr id="3" name="Content Placeholder 2"/>
+          <p:cNvSpPr>
+            <a:spLocks noGrp="1"/>
+          </p:cNvSpPr>
+          <p:nvPr>
+            <p:ph idx="1"/>
+          </p:nvPr>
+        </p:nvSpPr>
+        <p:spPr>
+          <a:xfrm>
+            <a:off x="0" y="0"/>
+            <a:ext cx="8686800" cy="5143500"/>
+          </a:xfrm>
+        </p:spPr>
+        <p:txBody>
+          <a:bodyPr anchor="ctr">
+            <a:normAutofit/>
+          </a:bodyPr>
+          <a:lstStyle/>
+          <a:p>
+            <a:r>
+              <a:rPr lang="zh-TW" altLang="en-US" sz="4800" dirty="0">
+                <a:solidFill>
+                  <a:srgbClr val="002060"/>
+                </a:solidFill>
                 <a:latin typeface="微軟正黑體" pitchFamily="34" charset="-120"/>
                 <a:ea typeface="微軟正黑體" pitchFamily="34" charset="-120"/>
               </a:rPr>
               <a:t>所以，你們要去，使萬民作我的門徒，奉父、子、聖靈的名給他們施洗。</a:t>
             </a:r>
             <a:r>
-              <a:rPr lang="en-US" altLang="zh-TW" sz="4800" dirty="0" smtClean="0">
+              <a:rPr lang="en-US" altLang="zh-TW" sz="4800" dirty="0">
+                <a:solidFill>
+                  <a:srgbClr val="002060"/>
+                </a:solidFill>
                 <a:latin typeface="微軟正黑體" pitchFamily="34" charset="-120"/>
                 <a:ea typeface="微軟正黑體" pitchFamily="34" charset="-120"/>
               </a:rPr>
@@ -3710,13 +3842,19 @@
           </a:p>
           <a:p>
             <a:r>
-              <a:rPr lang="zh-TW" altLang="en-US" sz="4800" b="1" dirty="0" smtClean="0">
+              <a:rPr lang="zh-TW" altLang="en-US" sz="4800" b="1" dirty="0">
+                <a:solidFill>
+                  <a:srgbClr val="002060"/>
+                </a:solidFill>
                 <a:latin typeface="微軟正黑體" pitchFamily="34" charset="-120"/>
                 <a:ea typeface="微軟正黑體" pitchFamily="34" charset="-120"/>
               </a:rPr>
               <a:t>凡我所吩咐你們的，都教訓他們遵守，我就常與你們同在，直到世界的末了。」</a:t>
             </a:r>
-            <a:endParaRPr lang="en-US" altLang="zh-TW" sz="4800" b="1" dirty="0" smtClean="0">
+            <a:endParaRPr lang="en-US" altLang="zh-TW" sz="4800" b="1" dirty="0">
+              <a:solidFill>
+                <a:srgbClr val="002060"/>
+              </a:solidFill>
               <a:latin typeface="微軟正黑體" pitchFamily="34" charset="-120"/>
               <a:ea typeface="微軟正黑體" pitchFamily="34" charset="-120"/>
             </a:endParaRPr>
